--- a/Image/SET 카드 그림.pptx
+++ b/Image/SET 카드 그림.pptx
@@ -328,7 +328,7 @@
           <a:p>
             <a:fld id="{1733EC2E-7DDC-46F5-BD09-8715160A5524}" type="datetimeFigureOut">
               <a:rPr lang="ko-KR" altLang="en-US" smtClean="0"/>
-              <a:t>2020-10-01(Thu)</a:t>
+              <a:t>2020-10-02(Fri)</a:t>
             </a:fld>
             <a:endParaRPr lang="ko-KR" altLang="en-US"/>
           </a:p>
@@ -526,7 +526,7 @@
           <a:p>
             <a:fld id="{1733EC2E-7DDC-46F5-BD09-8715160A5524}" type="datetimeFigureOut">
               <a:rPr lang="ko-KR" altLang="en-US" smtClean="0"/>
-              <a:t>2020-10-01(Thu)</a:t>
+              <a:t>2020-10-02(Fri)</a:t>
             </a:fld>
             <a:endParaRPr lang="ko-KR" altLang="en-US"/>
           </a:p>
@@ -734,7 +734,7 @@
           <a:p>
             <a:fld id="{1733EC2E-7DDC-46F5-BD09-8715160A5524}" type="datetimeFigureOut">
               <a:rPr lang="ko-KR" altLang="en-US" smtClean="0"/>
-              <a:t>2020-10-01(Thu)</a:t>
+              <a:t>2020-10-02(Fri)</a:t>
             </a:fld>
             <a:endParaRPr lang="ko-KR" altLang="en-US"/>
           </a:p>
@@ -932,7 +932,7 @@
           <a:p>
             <a:fld id="{1733EC2E-7DDC-46F5-BD09-8715160A5524}" type="datetimeFigureOut">
               <a:rPr lang="ko-KR" altLang="en-US" smtClean="0"/>
-              <a:t>2020-10-01(Thu)</a:t>
+              <a:t>2020-10-02(Fri)</a:t>
             </a:fld>
             <a:endParaRPr lang="ko-KR" altLang="en-US"/>
           </a:p>
@@ -1207,7 +1207,7 @@
           <a:p>
             <a:fld id="{1733EC2E-7DDC-46F5-BD09-8715160A5524}" type="datetimeFigureOut">
               <a:rPr lang="ko-KR" altLang="en-US" smtClean="0"/>
-              <a:t>2020-10-01(Thu)</a:t>
+              <a:t>2020-10-02(Fri)</a:t>
             </a:fld>
             <a:endParaRPr lang="ko-KR" altLang="en-US"/>
           </a:p>
@@ -1472,7 +1472,7 @@
           <a:p>
             <a:fld id="{1733EC2E-7DDC-46F5-BD09-8715160A5524}" type="datetimeFigureOut">
               <a:rPr lang="ko-KR" altLang="en-US" smtClean="0"/>
-              <a:t>2020-10-01(Thu)</a:t>
+              <a:t>2020-10-02(Fri)</a:t>
             </a:fld>
             <a:endParaRPr lang="ko-KR" altLang="en-US"/>
           </a:p>
@@ -1884,7 +1884,7 @@
           <a:p>
             <a:fld id="{1733EC2E-7DDC-46F5-BD09-8715160A5524}" type="datetimeFigureOut">
               <a:rPr lang="ko-KR" altLang="en-US" smtClean="0"/>
-              <a:t>2020-10-01(Thu)</a:t>
+              <a:t>2020-10-02(Fri)</a:t>
             </a:fld>
             <a:endParaRPr lang="ko-KR" altLang="en-US"/>
           </a:p>
@@ -2025,7 +2025,7 @@
           <a:p>
             <a:fld id="{1733EC2E-7DDC-46F5-BD09-8715160A5524}" type="datetimeFigureOut">
               <a:rPr lang="ko-KR" altLang="en-US" smtClean="0"/>
-              <a:t>2020-10-01(Thu)</a:t>
+              <a:t>2020-10-02(Fri)</a:t>
             </a:fld>
             <a:endParaRPr lang="ko-KR" altLang="en-US"/>
           </a:p>
@@ -2138,7 +2138,7 @@
           <a:p>
             <a:fld id="{1733EC2E-7DDC-46F5-BD09-8715160A5524}" type="datetimeFigureOut">
               <a:rPr lang="ko-KR" altLang="en-US" smtClean="0"/>
-              <a:t>2020-10-01(Thu)</a:t>
+              <a:t>2020-10-02(Fri)</a:t>
             </a:fld>
             <a:endParaRPr lang="ko-KR" altLang="en-US"/>
           </a:p>
@@ -2449,7 +2449,7 @@
           <a:p>
             <a:fld id="{1733EC2E-7DDC-46F5-BD09-8715160A5524}" type="datetimeFigureOut">
               <a:rPr lang="ko-KR" altLang="en-US" smtClean="0"/>
-              <a:t>2020-10-01(Thu)</a:t>
+              <a:t>2020-10-02(Fri)</a:t>
             </a:fld>
             <a:endParaRPr lang="ko-KR" altLang="en-US"/>
           </a:p>
@@ -2737,7 +2737,7 @@
           <a:p>
             <a:fld id="{1733EC2E-7DDC-46F5-BD09-8715160A5524}" type="datetimeFigureOut">
               <a:rPr lang="ko-KR" altLang="en-US" smtClean="0"/>
-              <a:t>2020-10-01(Thu)</a:t>
+              <a:t>2020-10-02(Fri)</a:t>
             </a:fld>
             <a:endParaRPr lang="ko-KR" altLang="en-US"/>
           </a:p>
@@ -2978,7 +2978,7 @@
           <a:p>
             <a:fld id="{1733EC2E-7DDC-46F5-BD09-8715160A5524}" type="datetimeFigureOut">
               <a:rPr lang="ko-KR" altLang="en-US" smtClean="0"/>
-              <a:t>2020-10-01(Thu)</a:t>
+              <a:t>2020-10-02(Fri)</a:t>
             </a:fld>
             <a:endParaRPr lang="ko-KR" altLang="en-US"/>
           </a:p>
@@ -5685,145 +5685,425 @@
           </a:p>
         </p:txBody>
       </p:sp>
-      <p:sp>
-        <p:nvSpPr>
-          <p:cNvPr id="2" name="TextBox 1">
-            <a:extLst>
-              <a:ext uri="{FF2B5EF4-FFF2-40B4-BE49-F238E27FC236}">
-                <a16:creationId xmlns:a16="http://schemas.microsoft.com/office/drawing/2014/main" id="{372EAC63-00A4-491A-95AA-C47CCFE7A4A0}"/>
-              </a:ext>
-            </a:extLst>
-          </p:cNvPr>
-          <p:cNvSpPr txBox="1"/>
-          <p:nvPr/>
-        </p:nvSpPr>
-        <p:spPr>
-          <a:xfrm>
-            <a:off x="3800921" y="290557"/>
-            <a:ext cx="2525050" cy="1200329"/>
-          </a:xfrm>
-          <a:prstGeom prst="rect">
-            <a:avLst/>
-          </a:prstGeom>
-          <a:noFill/>
-        </p:spPr>
-        <p:txBody>
-          <a:bodyPr wrap="none" rtlCol="0">
-            <a:spAutoFit/>
-          </a:bodyPr>
-          <a:lstStyle/>
-          <a:p>
-            <a:r>
-              <a:rPr lang="ko-KR" altLang="en-US" dirty="0"/>
-              <a:t>개수 </a:t>
-            </a:r>
-            <a:r>
-              <a:rPr lang="en-US" altLang="ko-KR" dirty="0"/>
-              <a:t>:</a:t>
-            </a:r>
-            <a:r>
-              <a:rPr lang="ko-KR" altLang="en-US" dirty="0"/>
-              <a:t> </a:t>
-            </a:r>
-            <a:r>
-              <a:rPr lang="en-US" altLang="ko-KR" dirty="0"/>
-              <a:t>1 / 2 / 3</a:t>
-            </a:r>
-          </a:p>
-          <a:p>
-            <a:r>
-              <a:rPr lang="ko-KR" altLang="en-US" dirty="0"/>
-              <a:t>모양 </a:t>
-            </a:r>
-            <a:r>
-              <a:rPr lang="en-US" altLang="ko-KR" dirty="0"/>
-              <a:t>:</a:t>
-            </a:r>
-            <a:r>
-              <a:rPr lang="ko-KR" altLang="en-US" dirty="0"/>
-              <a:t> 둥근 </a:t>
-            </a:r>
-            <a:r>
-              <a:rPr lang="en-US" altLang="ko-KR" dirty="0"/>
-              <a:t>/</a:t>
-            </a:r>
-            <a:r>
-              <a:rPr lang="ko-KR" altLang="en-US" dirty="0"/>
-              <a:t> 사각 </a:t>
-            </a:r>
-            <a:r>
-              <a:rPr lang="en-US" altLang="ko-KR" dirty="0"/>
-              <a:t>/</a:t>
-            </a:r>
-            <a:r>
-              <a:rPr lang="ko-KR" altLang="en-US" dirty="0"/>
-              <a:t> 별</a:t>
-            </a:r>
-            <a:endParaRPr lang="en-US" altLang="ko-KR" dirty="0"/>
-          </a:p>
-          <a:p>
-            <a:r>
-              <a:rPr lang="ko-KR" altLang="en-US" dirty="0"/>
-              <a:t>무늬 </a:t>
-            </a:r>
-            <a:r>
-              <a:rPr lang="en-US" altLang="ko-KR" dirty="0"/>
-              <a:t>: </a:t>
-            </a:r>
-            <a:r>
-              <a:rPr lang="ko-KR" altLang="en-US" dirty="0"/>
-              <a:t>민 </a:t>
-            </a:r>
-            <a:r>
-              <a:rPr lang="en-US" altLang="ko-KR" dirty="0"/>
-              <a:t>/ </a:t>
-            </a:r>
-            <a:r>
-              <a:rPr lang="ko-KR" altLang="en-US" dirty="0"/>
-              <a:t>빗금 </a:t>
-            </a:r>
-            <a:r>
-              <a:rPr lang="en-US" altLang="ko-KR" dirty="0"/>
-              <a:t>/ </a:t>
-            </a:r>
-            <a:r>
-              <a:rPr lang="ko-KR" altLang="en-US" dirty="0"/>
-              <a:t>꽉</a:t>
-            </a:r>
-            <a:endParaRPr lang="en-US" altLang="ko-KR" dirty="0"/>
-          </a:p>
-          <a:p>
-            <a:r>
-              <a:rPr lang="ko-KR" altLang="en-US" dirty="0"/>
-              <a:t>색깔 </a:t>
-            </a:r>
-            <a:r>
-              <a:rPr lang="en-US" altLang="ko-KR" dirty="0"/>
-              <a:t>: </a:t>
-            </a:r>
-            <a:r>
-              <a:rPr lang="ko-KR" altLang="en-US" dirty="0"/>
-              <a:t>보 </a:t>
-            </a:r>
-            <a:r>
-              <a:rPr lang="en-US" altLang="ko-KR" dirty="0"/>
-              <a:t>/ </a:t>
-            </a:r>
-            <a:r>
-              <a:rPr lang="ko-KR" altLang="en-US" dirty="0"/>
-              <a:t>빨 </a:t>
-            </a:r>
-            <a:r>
-              <a:rPr lang="en-US" altLang="ko-KR" dirty="0"/>
-              <a:t>/ </a:t>
-            </a:r>
-            <a:r>
-              <a:rPr lang="ko-KR" altLang="en-US" dirty="0"/>
-              <a:t>초</a:t>
-            </a:r>
-          </a:p>
-        </p:txBody>
-      </p:sp>
+      <p:graphicFrame>
+        <p:nvGraphicFramePr>
+          <p:cNvPr id="3" name="표 30">
+            <a:extLst>
+              <a:ext uri="{FF2B5EF4-FFF2-40B4-BE49-F238E27FC236}">
+                <a16:creationId xmlns:a16="http://schemas.microsoft.com/office/drawing/2014/main" id="{54688EDF-70A9-41AC-84C4-1BDB1B071357}"/>
+              </a:ext>
+            </a:extLst>
+          </p:cNvPr>
+          <p:cNvGraphicFramePr>
+            <a:graphicFrameLocks noGrp="1"/>
+          </p:cNvGraphicFramePr>
+          <p:nvPr>
+            <p:extLst>
+              <p:ext uri="{D42A27DB-BD31-4B8C-83A1-F6EECF244321}">
+                <p14:modId xmlns:p14="http://schemas.microsoft.com/office/powerpoint/2010/main" val="3337814365"/>
+              </p:ext>
+            </p:extLst>
+          </p:nvPr>
+        </p:nvGraphicFramePr>
+        <p:xfrm>
+          <a:off x="4489959" y="109721"/>
+          <a:ext cx="4506506" cy="1854200"/>
+        </p:xfrm>
+        <a:graphic>
+          <a:graphicData uri="http://schemas.openxmlformats.org/drawingml/2006/table">
+            <a:tbl>
+              <a:tblPr firstRow="1" bandRow="1">
+                <a:tableStyleId>{073A0DAA-6AF3-43AB-8588-CEC1D06C72B9}</a:tableStyleId>
+              </a:tblPr>
+              <a:tblGrid>
+                <a:gridCol w="996506">
+                  <a:extLst>
+                    <a:ext uri="{9D8B030D-6E8A-4147-A177-3AD203B41FA5}">
+                      <a16:colId xmlns:a16="http://schemas.microsoft.com/office/drawing/2014/main" val="272783252"/>
+                    </a:ext>
+                  </a:extLst>
+                </a:gridCol>
+                <a:gridCol w="1170000">
+                  <a:extLst>
+                    <a:ext uri="{9D8B030D-6E8A-4147-A177-3AD203B41FA5}">
+                      <a16:colId xmlns:a16="http://schemas.microsoft.com/office/drawing/2014/main" val="4180947399"/>
+                    </a:ext>
+                  </a:extLst>
+                </a:gridCol>
+                <a:gridCol w="1170000">
+                  <a:extLst>
+                    <a:ext uri="{9D8B030D-6E8A-4147-A177-3AD203B41FA5}">
+                      <a16:colId xmlns:a16="http://schemas.microsoft.com/office/drawing/2014/main" val="2434831197"/>
+                    </a:ext>
+                  </a:extLst>
+                </a:gridCol>
+                <a:gridCol w="1170000">
+                  <a:extLst>
+                    <a:ext uri="{9D8B030D-6E8A-4147-A177-3AD203B41FA5}">
+                      <a16:colId xmlns:a16="http://schemas.microsoft.com/office/drawing/2014/main" val="616999526"/>
+                    </a:ext>
+                  </a:extLst>
+                </a:gridCol>
+              </a:tblGrid>
+              <a:tr h="370840">
+                <a:tc>
+                  <a:txBody>
+                    <a:bodyPr/>
+                    <a:lstStyle/>
+                    <a:p>
+                      <a:pPr algn="r" latinLnBrk="1"/>
+                      <a:endParaRPr lang="ko-KR" altLang="en-US" dirty="0"/>
+                    </a:p>
+                  </a:txBody>
+                  <a:tcPr/>
+                </a:tc>
+                <a:tc>
+                  <a:txBody>
+                    <a:bodyPr/>
+                    <a:lstStyle/>
+                    <a:p>
+                      <a:pPr algn="r" latinLnBrk="1"/>
+                      <a:r>
+                        <a:rPr lang="en-US" altLang="ko-KR" dirty="0"/>
+                        <a:t>1</a:t>
+                      </a:r>
+                      <a:endParaRPr lang="ko-KR" altLang="en-US" dirty="0"/>
+                    </a:p>
+                  </a:txBody>
+                  <a:tcPr/>
+                </a:tc>
+                <a:tc>
+                  <a:txBody>
+                    <a:bodyPr/>
+                    <a:lstStyle/>
+                    <a:p>
+                      <a:pPr algn="r" latinLnBrk="1"/>
+                      <a:r>
+                        <a:rPr lang="en-US" altLang="ko-KR" dirty="0"/>
+                        <a:t>2</a:t>
+                      </a:r>
+                      <a:endParaRPr lang="ko-KR" altLang="en-US" dirty="0"/>
+                    </a:p>
+                  </a:txBody>
+                  <a:tcPr/>
+                </a:tc>
+                <a:tc>
+                  <a:txBody>
+                    <a:bodyPr/>
+                    <a:lstStyle/>
+                    <a:p>
+                      <a:pPr algn="r" latinLnBrk="1"/>
+                      <a:r>
+                        <a:rPr lang="en-US" altLang="ko-KR" dirty="0"/>
+                        <a:t>3</a:t>
+                      </a:r>
+                      <a:endParaRPr lang="ko-KR" altLang="en-US" dirty="0"/>
+                    </a:p>
+                  </a:txBody>
+                  <a:tcPr/>
+                </a:tc>
+                <a:extLst>
+                  <a:ext uri="{0D108BD9-81ED-4DB2-BD59-A6C34878D82A}">
+                    <a16:rowId xmlns:a16="http://schemas.microsoft.com/office/drawing/2014/main" val="360779793"/>
+                  </a:ext>
+                </a:extLst>
+              </a:tr>
+              <a:tr h="370840">
+                <a:tc>
+                  <a:txBody>
+                    <a:bodyPr/>
+                    <a:lstStyle/>
+                    <a:p>
+                      <a:pPr algn="r" latinLnBrk="1"/>
+                      <a:r>
+                        <a:rPr lang="en-US" altLang="ko-KR" dirty="0"/>
+                        <a:t>Count</a:t>
+                      </a:r>
+                      <a:endParaRPr lang="ko-KR" altLang="en-US" dirty="0"/>
+                    </a:p>
+                  </a:txBody>
+                  <a:tcPr/>
+                </a:tc>
+                <a:tc>
+                  <a:txBody>
+                    <a:bodyPr/>
+                    <a:lstStyle/>
+                    <a:p>
+                      <a:pPr algn="r" latinLnBrk="1"/>
+                      <a:r>
+                        <a:rPr lang="en-US" altLang="ko-KR" dirty="0"/>
+                        <a:t>1</a:t>
+                      </a:r>
+                      <a:endParaRPr lang="ko-KR" altLang="en-US" dirty="0"/>
+                    </a:p>
+                  </a:txBody>
+                  <a:tcPr/>
+                </a:tc>
+                <a:tc>
+                  <a:txBody>
+                    <a:bodyPr/>
+                    <a:lstStyle/>
+                    <a:p>
+                      <a:pPr algn="r" latinLnBrk="1"/>
+                      <a:r>
+                        <a:rPr lang="en-US" altLang="ko-KR" dirty="0"/>
+                        <a:t>2</a:t>
+                      </a:r>
+                      <a:endParaRPr lang="ko-KR" altLang="en-US" dirty="0"/>
+                    </a:p>
+                  </a:txBody>
+                  <a:tcPr/>
+                </a:tc>
+                <a:tc>
+                  <a:txBody>
+                    <a:bodyPr/>
+                    <a:lstStyle/>
+                    <a:p>
+                      <a:pPr algn="r" latinLnBrk="1"/>
+                      <a:r>
+                        <a:rPr lang="en-US" altLang="ko-KR" dirty="0"/>
+                        <a:t>3</a:t>
+                      </a:r>
+                      <a:endParaRPr lang="ko-KR" altLang="en-US" dirty="0"/>
+                    </a:p>
+                  </a:txBody>
+                  <a:tcPr/>
+                </a:tc>
+                <a:extLst>
+                  <a:ext uri="{0D108BD9-81ED-4DB2-BD59-A6C34878D82A}">
+                    <a16:rowId xmlns:a16="http://schemas.microsoft.com/office/drawing/2014/main" val="3267895098"/>
+                  </a:ext>
+                </a:extLst>
+              </a:tr>
+              <a:tr h="370840">
+                <a:tc>
+                  <a:txBody>
+                    <a:bodyPr/>
+                    <a:lstStyle/>
+                    <a:p>
+                      <a:pPr algn="r" latinLnBrk="1"/>
+                      <a:r>
+                        <a:rPr lang="en-US" altLang="ko-KR" dirty="0"/>
+                        <a:t>Shape</a:t>
+                      </a:r>
+                      <a:endParaRPr lang="ko-KR" altLang="en-US" dirty="0"/>
+                    </a:p>
+                  </a:txBody>
+                  <a:tcPr/>
+                </a:tc>
+                <a:tc>
+                  <a:txBody>
+                    <a:bodyPr/>
+                    <a:lstStyle/>
+                    <a:p>
+                      <a:pPr algn="r" latinLnBrk="1"/>
+                      <a:r>
+                        <a:rPr lang="en-US" altLang="ko-KR" dirty="0"/>
+                        <a:t>Circle</a:t>
+                      </a:r>
+                      <a:endParaRPr lang="ko-KR" altLang="en-US" dirty="0"/>
+                    </a:p>
+                  </a:txBody>
+                  <a:tcPr/>
+                </a:tc>
+                <a:tc>
+                  <a:txBody>
+                    <a:bodyPr/>
+                    <a:lstStyle/>
+                    <a:p>
+                      <a:pPr algn="r" latinLnBrk="1"/>
+                      <a:r>
+                        <a:rPr lang="en-US" altLang="ko-KR" dirty="0"/>
+                        <a:t>Square</a:t>
+                      </a:r>
+                      <a:endParaRPr lang="ko-KR" altLang="en-US" dirty="0"/>
+                    </a:p>
+                  </a:txBody>
+                  <a:tcPr/>
+                </a:tc>
+                <a:tc>
+                  <a:txBody>
+                    <a:bodyPr/>
+                    <a:lstStyle/>
+                    <a:p>
+                      <a:pPr algn="r" latinLnBrk="1"/>
+                      <a:r>
+                        <a:rPr lang="en-US" altLang="ko-KR" dirty="0"/>
+                        <a:t>Star</a:t>
+                      </a:r>
+                      <a:endParaRPr lang="ko-KR" altLang="en-US" dirty="0"/>
+                    </a:p>
+                  </a:txBody>
+                  <a:tcPr/>
+                </a:tc>
+                <a:extLst>
+                  <a:ext uri="{0D108BD9-81ED-4DB2-BD59-A6C34878D82A}">
+                    <a16:rowId xmlns:a16="http://schemas.microsoft.com/office/drawing/2014/main" val="1648351291"/>
+                  </a:ext>
+                </a:extLst>
+              </a:tr>
+              <a:tr h="370840">
+                <a:tc>
+                  <a:txBody>
+                    <a:bodyPr/>
+                    <a:lstStyle/>
+                    <a:p>
+                      <a:pPr algn="r" latinLnBrk="1"/>
+                      <a:r>
+                        <a:rPr lang="en-US" altLang="ko-KR" dirty="0"/>
+                        <a:t>Pattern</a:t>
+                      </a:r>
+                      <a:endParaRPr lang="ko-KR" altLang="en-US" dirty="0"/>
+                    </a:p>
+                  </a:txBody>
+                  <a:tcPr/>
+                </a:tc>
+                <a:tc>
+                  <a:txBody>
+                    <a:bodyPr/>
+                    <a:lstStyle/>
+                    <a:p>
+                      <a:pPr algn="r" latinLnBrk="1"/>
+                      <a:r>
+                        <a:rPr lang="en-US" altLang="ko-KR" dirty="0"/>
+                        <a:t>None</a:t>
+                      </a:r>
+                      <a:endParaRPr lang="ko-KR" altLang="en-US" dirty="0"/>
+                    </a:p>
+                  </a:txBody>
+                  <a:tcPr/>
+                </a:tc>
+                <a:tc>
+                  <a:txBody>
+                    <a:bodyPr/>
+                    <a:lstStyle/>
+                    <a:p>
+                      <a:pPr algn="r" latinLnBrk="1"/>
+                      <a:r>
+                        <a:rPr lang="en-US" altLang="ko-KR" dirty="0"/>
+                        <a:t>Hatching</a:t>
+                      </a:r>
+                      <a:endParaRPr lang="ko-KR" altLang="en-US" dirty="0"/>
+                    </a:p>
+                  </a:txBody>
+                  <a:tcPr/>
+                </a:tc>
+                <a:tc>
+                  <a:txBody>
+                    <a:bodyPr/>
+                    <a:lstStyle/>
+                    <a:p>
+                      <a:pPr algn="r" latinLnBrk="1"/>
+                      <a:r>
+                        <a:rPr lang="en-US" altLang="ko-KR" dirty="0"/>
+                        <a:t>Full</a:t>
+                      </a:r>
+                      <a:endParaRPr lang="ko-KR" altLang="en-US" dirty="0"/>
+                    </a:p>
+                  </a:txBody>
+                  <a:tcPr/>
+                </a:tc>
+                <a:extLst>
+                  <a:ext uri="{0D108BD9-81ED-4DB2-BD59-A6C34878D82A}">
+                    <a16:rowId xmlns:a16="http://schemas.microsoft.com/office/drawing/2014/main" val="182935280"/>
+                  </a:ext>
+                </a:extLst>
+              </a:tr>
+              <a:tr h="370840">
+                <a:tc>
+                  <a:txBody>
+                    <a:bodyPr/>
+                    <a:lstStyle/>
+                    <a:p>
+                      <a:pPr algn="r" latinLnBrk="1"/>
+                      <a:r>
+                        <a:rPr lang="en-US" altLang="ko-KR" dirty="0"/>
+                        <a:t>Color</a:t>
+                      </a:r>
+                      <a:endParaRPr lang="ko-KR" altLang="en-US" dirty="0"/>
+                    </a:p>
+                  </a:txBody>
+                  <a:tcPr/>
+                </a:tc>
+                <a:tc>
+                  <a:txBody>
+                    <a:bodyPr/>
+                    <a:lstStyle/>
+                    <a:p>
+                      <a:pPr algn="r" latinLnBrk="1"/>
+                      <a:r>
+                        <a:rPr lang="en-US" altLang="ko-KR" dirty="0">
+                          <a:solidFill>
+                            <a:srgbClr val="7030A0"/>
+                          </a:solidFill>
+                        </a:rPr>
+                        <a:t>Purple</a:t>
+                      </a:r>
+                      <a:endParaRPr lang="ko-KR" altLang="en-US" dirty="0">
+                        <a:solidFill>
+                          <a:srgbClr val="7030A0"/>
+                        </a:solidFill>
+                      </a:endParaRPr>
+                    </a:p>
+                  </a:txBody>
+                  <a:tcPr/>
+                </a:tc>
+                <a:tc>
+                  <a:txBody>
+                    <a:bodyPr/>
+                    <a:lstStyle/>
+                    <a:p>
+                      <a:pPr algn="r" latinLnBrk="1"/>
+                      <a:r>
+                        <a:rPr lang="en-US" altLang="ko-KR" dirty="0">
+                          <a:solidFill>
+                            <a:srgbClr val="FF0000"/>
+                          </a:solidFill>
+                        </a:rPr>
+                        <a:t>Red</a:t>
+                      </a:r>
+                      <a:endParaRPr lang="ko-KR" altLang="en-US" dirty="0">
+                        <a:solidFill>
+                          <a:srgbClr val="FF0000"/>
+                        </a:solidFill>
+                      </a:endParaRPr>
+                    </a:p>
+                  </a:txBody>
+                  <a:tcPr/>
+                </a:tc>
+                <a:tc>
+                  <a:txBody>
+                    <a:bodyPr/>
+                    <a:lstStyle/>
+                    <a:p>
+                      <a:pPr algn="r" latinLnBrk="1"/>
+                      <a:r>
+                        <a:rPr lang="en-US" altLang="ko-KR" dirty="0">
+                          <a:solidFill>
+                            <a:srgbClr val="00B050"/>
+                          </a:solidFill>
+                        </a:rPr>
+                        <a:t>Green</a:t>
+                      </a:r>
+                      <a:endParaRPr lang="ko-KR" altLang="en-US" dirty="0">
+                        <a:solidFill>
+                          <a:srgbClr val="00B050"/>
+                        </a:solidFill>
+                      </a:endParaRPr>
+                    </a:p>
+                  </a:txBody>
+                  <a:tcPr/>
+                </a:tc>
+                <a:extLst>
+                  <a:ext uri="{0D108BD9-81ED-4DB2-BD59-A6C34878D82A}">
+                    <a16:rowId xmlns:a16="http://schemas.microsoft.com/office/drawing/2014/main" val="3799463270"/>
+                  </a:ext>
+                </a:extLst>
+              </a:tr>
+            </a:tbl>
+          </a:graphicData>
+        </a:graphic>
+      </p:graphicFrame>
     </p:spTree>
     <p:extLst>
       <p:ext uri="{BB962C8B-B14F-4D97-AF65-F5344CB8AC3E}">

--- a/Image/SET 카드 그림.pptx
+++ b/Image/SET 카드 그림.pptx
@@ -5700,7 +5700,7 @@
           <p:nvPr>
             <p:extLst>
               <p:ext uri="{D42A27DB-BD31-4B8C-83A1-F6EECF244321}">
-                <p14:modId xmlns:p14="http://schemas.microsoft.com/office/powerpoint/2010/main" val="3337814365"/>
+                <p14:modId xmlns:p14="http://schemas.microsoft.com/office/powerpoint/2010/main" val="1983266524"/>
               </p:ext>
             </p:extLst>
           </p:nvPr>
@@ -5752,7 +5752,7 @@
                     <a:lstStyle/>
                     <a:p>
                       <a:pPr algn="r" latinLnBrk="1"/>
-                      <a:endParaRPr lang="ko-KR" altLang="en-US" dirty="0"/>
+                      <a:endParaRPr lang="ko-KR" altLang="en-US" b="1" dirty="0"/>
                     </a:p>
                   </a:txBody>
                   <a:tcPr/>
@@ -5764,10 +5764,10 @@
                     <a:p>
                       <a:pPr algn="r" latinLnBrk="1"/>
                       <a:r>
-                        <a:rPr lang="en-US" altLang="ko-KR" dirty="0"/>
+                        <a:rPr lang="en-US" altLang="ko-KR" b="1" dirty="0"/>
                         <a:t>1</a:t>
                       </a:r>
-                      <a:endParaRPr lang="ko-KR" altLang="en-US" dirty="0"/>
+                      <a:endParaRPr lang="ko-KR" altLang="en-US" b="1" dirty="0"/>
                     </a:p>
                   </a:txBody>
                   <a:tcPr/>
@@ -5779,10 +5779,10 @@
                     <a:p>
                       <a:pPr algn="r" latinLnBrk="1"/>
                       <a:r>
-                        <a:rPr lang="en-US" altLang="ko-KR" dirty="0"/>
+                        <a:rPr lang="en-US" altLang="ko-KR" b="1" dirty="0"/>
                         <a:t>2</a:t>
                       </a:r>
-                      <a:endParaRPr lang="ko-KR" altLang="en-US" dirty="0"/>
+                      <a:endParaRPr lang="ko-KR" altLang="en-US" b="1" dirty="0"/>
                     </a:p>
                   </a:txBody>
                   <a:tcPr/>
@@ -5794,10 +5794,10 @@
                     <a:p>
                       <a:pPr algn="r" latinLnBrk="1"/>
                       <a:r>
-                        <a:rPr lang="en-US" altLang="ko-KR" dirty="0"/>
+                        <a:rPr lang="en-US" altLang="ko-KR" b="1" dirty="0"/>
                         <a:t>3</a:t>
                       </a:r>
-                      <a:endParaRPr lang="ko-KR" altLang="en-US" dirty="0"/>
+                      <a:endParaRPr lang="ko-KR" altLang="en-US" b="1" dirty="0"/>
                     </a:p>
                   </a:txBody>
                   <a:tcPr/>
@@ -5816,10 +5816,10 @@
                     <a:p>
                       <a:pPr algn="r" latinLnBrk="1"/>
                       <a:r>
-                        <a:rPr lang="en-US" altLang="ko-KR" dirty="0"/>
+                        <a:rPr lang="en-US" altLang="ko-KR" b="1" dirty="0"/>
                         <a:t>Count</a:t>
                       </a:r>
-                      <a:endParaRPr lang="ko-KR" altLang="en-US" dirty="0"/>
+                      <a:endParaRPr lang="ko-KR" altLang="en-US" b="1" dirty="0"/>
                     </a:p>
                   </a:txBody>
                   <a:tcPr/>
@@ -5831,10 +5831,10 @@
                     <a:p>
                       <a:pPr algn="r" latinLnBrk="1"/>
                       <a:r>
-                        <a:rPr lang="en-US" altLang="ko-KR" dirty="0"/>
+                        <a:rPr lang="en-US" altLang="ko-KR" b="1" dirty="0"/>
                         <a:t>1</a:t>
                       </a:r>
-                      <a:endParaRPr lang="ko-KR" altLang="en-US" dirty="0"/>
+                      <a:endParaRPr lang="ko-KR" altLang="en-US" b="1" dirty="0"/>
                     </a:p>
                   </a:txBody>
                   <a:tcPr/>
@@ -5846,10 +5846,10 @@
                     <a:p>
                       <a:pPr algn="r" latinLnBrk="1"/>
                       <a:r>
-                        <a:rPr lang="en-US" altLang="ko-KR" dirty="0"/>
+                        <a:rPr lang="en-US" altLang="ko-KR" b="1" dirty="0"/>
                         <a:t>2</a:t>
                       </a:r>
-                      <a:endParaRPr lang="ko-KR" altLang="en-US" dirty="0"/>
+                      <a:endParaRPr lang="ko-KR" altLang="en-US" b="1" dirty="0"/>
                     </a:p>
                   </a:txBody>
                   <a:tcPr/>
@@ -5861,10 +5861,10 @@
                     <a:p>
                       <a:pPr algn="r" latinLnBrk="1"/>
                       <a:r>
-                        <a:rPr lang="en-US" altLang="ko-KR" dirty="0"/>
+                        <a:rPr lang="en-US" altLang="ko-KR" b="1" dirty="0"/>
                         <a:t>3</a:t>
                       </a:r>
-                      <a:endParaRPr lang="ko-KR" altLang="en-US" dirty="0"/>
+                      <a:endParaRPr lang="ko-KR" altLang="en-US" b="1" dirty="0"/>
                     </a:p>
                   </a:txBody>
                   <a:tcPr/>
@@ -5883,10 +5883,10 @@
                     <a:p>
                       <a:pPr algn="r" latinLnBrk="1"/>
                       <a:r>
-                        <a:rPr lang="en-US" altLang="ko-KR" dirty="0"/>
+                        <a:rPr lang="en-US" altLang="ko-KR" b="1" dirty="0"/>
                         <a:t>Shape</a:t>
                       </a:r>
-                      <a:endParaRPr lang="ko-KR" altLang="en-US" dirty="0"/>
+                      <a:endParaRPr lang="ko-KR" altLang="en-US" b="1" dirty="0"/>
                     </a:p>
                   </a:txBody>
                   <a:tcPr/>
@@ -5898,10 +5898,10 @@
                     <a:p>
                       <a:pPr algn="r" latinLnBrk="1"/>
                       <a:r>
-                        <a:rPr lang="en-US" altLang="ko-KR" dirty="0"/>
+                        <a:rPr lang="en-US" altLang="ko-KR" b="1" dirty="0"/>
                         <a:t>Circle</a:t>
                       </a:r>
-                      <a:endParaRPr lang="ko-KR" altLang="en-US" dirty="0"/>
+                      <a:endParaRPr lang="ko-KR" altLang="en-US" b="1" dirty="0"/>
                     </a:p>
                   </a:txBody>
                   <a:tcPr/>
@@ -5913,10 +5913,10 @@
                     <a:p>
                       <a:pPr algn="r" latinLnBrk="1"/>
                       <a:r>
-                        <a:rPr lang="en-US" altLang="ko-KR" dirty="0"/>
+                        <a:rPr lang="en-US" altLang="ko-KR" b="1" dirty="0"/>
                         <a:t>Square</a:t>
                       </a:r>
-                      <a:endParaRPr lang="ko-KR" altLang="en-US" dirty="0"/>
+                      <a:endParaRPr lang="ko-KR" altLang="en-US" b="1" dirty="0"/>
                     </a:p>
                   </a:txBody>
                   <a:tcPr/>
@@ -5928,10 +5928,10 @@
                     <a:p>
                       <a:pPr algn="r" latinLnBrk="1"/>
                       <a:r>
-                        <a:rPr lang="en-US" altLang="ko-KR" dirty="0"/>
+                        <a:rPr lang="en-US" altLang="ko-KR" b="1" dirty="0"/>
                         <a:t>Star</a:t>
                       </a:r>
-                      <a:endParaRPr lang="ko-KR" altLang="en-US" dirty="0"/>
+                      <a:endParaRPr lang="ko-KR" altLang="en-US" b="1" dirty="0"/>
                     </a:p>
                   </a:txBody>
                   <a:tcPr/>
@@ -5950,10 +5950,10 @@
                     <a:p>
                       <a:pPr algn="r" latinLnBrk="1"/>
                       <a:r>
-                        <a:rPr lang="en-US" altLang="ko-KR" dirty="0"/>
+                        <a:rPr lang="en-US" altLang="ko-KR" b="1" dirty="0"/>
                         <a:t>Pattern</a:t>
                       </a:r>
-                      <a:endParaRPr lang="ko-KR" altLang="en-US" dirty="0"/>
+                      <a:endParaRPr lang="ko-KR" altLang="en-US" b="1" dirty="0"/>
                     </a:p>
                   </a:txBody>
                   <a:tcPr/>
@@ -5965,10 +5965,10 @@
                     <a:p>
                       <a:pPr algn="r" latinLnBrk="1"/>
                       <a:r>
-                        <a:rPr lang="en-US" altLang="ko-KR" dirty="0"/>
+                        <a:rPr lang="en-US" altLang="ko-KR" b="1" dirty="0"/>
                         <a:t>None</a:t>
                       </a:r>
-                      <a:endParaRPr lang="ko-KR" altLang="en-US" dirty="0"/>
+                      <a:endParaRPr lang="ko-KR" altLang="en-US" b="1" dirty="0"/>
                     </a:p>
                   </a:txBody>
                   <a:tcPr/>
@@ -5980,10 +5980,10 @@
                     <a:p>
                       <a:pPr algn="r" latinLnBrk="1"/>
                       <a:r>
-                        <a:rPr lang="en-US" altLang="ko-KR" dirty="0"/>
+                        <a:rPr lang="en-US" altLang="ko-KR" b="1" dirty="0"/>
                         <a:t>Hatching</a:t>
                       </a:r>
-                      <a:endParaRPr lang="ko-KR" altLang="en-US" dirty="0"/>
+                      <a:endParaRPr lang="ko-KR" altLang="en-US" b="1" dirty="0"/>
                     </a:p>
                   </a:txBody>
                   <a:tcPr/>
@@ -5995,10 +5995,10 @@
                     <a:p>
                       <a:pPr algn="r" latinLnBrk="1"/>
                       <a:r>
-                        <a:rPr lang="en-US" altLang="ko-KR" dirty="0"/>
+                        <a:rPr lang="en-US" altLang="ko-KR" b="1" dirty="0"/>
                         <a:t>Full</a:t>
                       </a:r>
-                      <a:endParaRPr lang="ko-KR" altLang="en-US" dirty="0"/>
+                      <a:endParaRPr lang="ko-KR" altLang="en-US" b="1" dirty="0"/>
                     </a:p>
                   </a:txBody>
                   <a:tcPr/>
@@ -6017,10 +6017,10 @@
                     <a:p>
                       <a:pPr algn="r" latinLnBrk="1"/>
                       <a:r>
-                        <a:rPr lang="en-US" altLang="ko-KR" dirty="0"/>
+                        <a:rPr lang="en-US" altLang="ko-KR" b="1" dirty="0"/>
                         <a:t>Color</a:t>
                       </a:r>
-                      <a:endParaRPr lang="ko-KR" altLang="en-US" dirty="0"/>
+                      <a:endParaRPr lang="ko-KR" altLang="en-US" b="1" dirty="0"/>
                     </a:p>
                   </a:txBody>
                   <a:tcPr/>
@@ -6032,14 +6032,14 @@
                     <a:p>
                       <a:pPr algn="r" latinLnBrk="1"/>
                       <a:r>
-                        <a:rPr lang="en-US" altLang="ko-KR" dirty="0">
+                        <a:rPr lang="en-US" altLang="ko-KR" b="1" dirty="0">
                           <a:solidFill>
                             <a:srgbClr val="7030A0"/>
                           </a:solidFill>
                         </a:rPr>
                         <a:t>Purple</a:t>
                       </a:r>
-                      <a:endParaRPr lang="ko-KR" altLang="en-US" dirty="0">
+                      <a:endParaRPr lang="ko-KR" altLang="en-US" b="1" dirty="0">
                         <a:solidFill>
                           <a:srgbClr val="7030A0"/>
                         </a:solidFill>
@@ -6055,14 +6055,14 @@
                     <a:p>
                       <a:pPr algn="r" latinLnBrk="1"/>
                       <a:r>
-                        <a:rPr lang="en-US" altLang="ko-KR" dirty="0">
+                        <a:rPr lang="en-US" altLang="ko-KR" b="1" dirty="0">
                           <a:solidFill>
                             <a:srgbClr val="FF0000"/>
                           </a:solidFill>
                         </a:rPr>
                         <a:t>Red</a:t>
                       </a:r>
-                      <a:endParaRPr lang="ko-KR" altLang="en-US" dirty="0">
+                      <a:endParaRPr lang="ko-KR" altLang="en-US" b="1" dirty="0">
                         <a:solidFill>
                           <a:srgbClr val="FF0000"/>
                         </a:solidFill>
@@ -6078,14 +6078,14 @@
                     <a:p>
                       <a:pPr algn="r" latinLnBrk="1"/>
                       <a:r>
-                        <a:rPr lang="en-US" altLang="ko-KR" dirty="0">
+                        <a:rPr lang="en-US" altLang="ko-KR" b="1" dirty="0">
                           <a:solidFill>
                             <a:srgbClr val="00B050"/>
                           </a:solidFill>
                         </a:rPr>
                         <a:t>Green</a:t>
                       </a:r>
-                      <a:endParaRPr lang="ko-KR" altLang="en-US" dirty="0">
+                      <a:endParaRPr lang="ko-KR" altLang="en-US" b="1" dirty="0">
                         <a:solidFill>
                           <a:srgbClr val="00B050"/>
                         </a:solidFill>
